--- a/Projects/Project 01 - Bellabeat/Bellabeat Presentation.pptx
+++ b/Projects/Project 01 - Bellabeat/Bellabeat Presentation.pptx
@@ -111,6 +111,11 @@
       </a:defRPr>
     </a:lvl9pPr>
   </p:defaultTextStyle>
+  <p:extLst>
+    <p:ext uri="{EFAFB233-063F-42B5-8137-9DF3F51BA10A}">
+      <p15:sldGuideLst xmlns:p15="http://schemas.microsoft.com/office/powerpoint/2012/main"/>
+    </p:ext>
+  </p:extLst>
 </p:presentation>
 </file>
 
@@ -2146,7 +2151,7 @@
           <a:p>
             <a:fld id="{2DDEE1FE-2CF1-497B-95C4-BC60BE17D6CD}" type="datetimeFigureOut">
               <a:rPr lang="en-IN" smtClean="0"/>
-              <a:t>20-12-2022</a:t>
+              <a:t>25-12-2022</a:t>
             </a:fld>
             <a:endParaRPr lang="en-IN"/>
           </a:p>
@@ -2346,7 +2351,7 @@
           <a:p>
             <a:fld id="{2DDEE1FE-2CF1-497B-95C4-BC60BE17D6CD}" type="datetimeFigureOut">
               <a:rPr lang="en-IN" smtClean="0"/>
-              <a:t>20-12-2022</a:t>
+              <a:t>25-12-2022</a:t>
             </a:fld>
             <a:endParaRPr lang="en-IN"/>
           </a:p>
@@ -2556,7 +2561,7 @@
           <a:p>
             <a:fld id="{2DDEE1FE-2CF1-497B-95C4-BC60BE17D6CD}" type="datetimeFigureOut">
               <a:rPr lang="en-IN" smtClean="0"/>
-              <a:t>20-12-2022</a:t>
+              <a:t>25-12-2022</a:t>
             </a:fld>
             <a:endParaRPr lang="en-IN"/>
           </a:p>
@@ -2756,7 +2761,7 @@
           <a:p>
             <a:fld id="{2DDEE1FE-2CF1-497B-95C4-BC60BE17D6CD}" type="datetimeFigureOut">
               <a:rPr lang="en-IN" smtClean="0"/>
-              <a:t>20-12-2022</a:t>
+              <a:t>25-12-2022</a:t>
             </a:fld>
             <a:endParaRPr lang="en-IN"/>
           </a:p>
@@ -3032,7 +3037,7 @@
           <a:p>
             <a:fld id="{2DDEE1FE-2CF1-497B-95C4-BC60BE17D6CD}" type="datetimeFigureOut">
               <a:rPr lang="en-IN" smtClean="0"/>
-              <a:t>20-12-2022</a:t>
+              <a:t>25-12-2022</a:t>
             </a:fld>
             <a:endParaRPr lang="en-IN"/>
           </a:p>
@@ -3300,7 +3305,7 @@
           <a:p>
             <a:fld id="{2DDEE1FE-2CF1-497B-95C4-BC60BE17D6CD}" type="datetimeFigureOut">
               <a:rPr lang="en-IN" smtClean="0"/>
-              <a:t>20-12-2022</a:t>
+              <a:t>25-12-2022</a:t>
             </a:fld>
             <a:endParaRPr lang="en-IN"/>
           </a:p>
@@ -3715,7 +3720,7 @@
           <a:p>
             <a:fld id="{2DDEE1FE-2CF1-497B-95C4-BC60BE17D6CD}" type="datetimeFigureOut">
               <a:rPr lang="en-IN" smtClean="0"/>
-              <a:t>20-12-2022</a:t>
+              <a:t>25-12-2022</a:t>
             </a:fld>
             <a:endParaRPr lang="en-IN"/>
           </a:p>
@@ -3857,7 +3862,7 @@
           <a:p>
             <a:fld id="{2DDEE1FE-2CF1-497B-95C4-BC60BE17D6CD}" type="datetimeFigureOut">
               <a:rPr lang="en-IN" smtClean="0"/>
-              <a:t>20-12-2022</a:t>
+              <a:t>25-12-2022</a:t>
             </a:fld>
             <a:endParaRPr lang="en-IN"/>
           </a:p>
@@ -3970,7 +3975,7 @@
           <a:p>
             <a:fld id="{2DDEE1FE-2CF1-497B-95C4-BC60BE17D6CD}" type="datetimeFigureOut">
               <a:rPr lang="en-IN" smtClean="0"/>
-              <a:t>20-12-2022</a:t>
+              <a:t>25-12-2022</a:t>
             </a:fld>
             <a:endParaRPr lang="en-IN"/>
           </a:p>
@@ -4283,7 +4288,7 @@
           <a:p>
             <a:fld id="{2DDEE1FE-2CF1-497B-95C4-BC60BE17D6CD}" type="datetimeFigureOut">
               <a:rPr lang="en-IN" smtClean="0"/>
-              <a:t>20-12-2022</a:t>
+              <a:t>25-12-2022</a:t>
             </a:fld>
             <a:endParaRPr lang="en-IN"/>
           </a:p>
@@ -4572,7 +4577,7 @@
           <a:p>
             <a:fld id="{2DDEE1FE-2CF1-497B-95C4-BC60BE17D6CD}" type="datetimeFigureOut">
               <a:rPr lang="en-IN" smtClean="0"/>
-              <a:t>20-12-2022</a:t>
+              <a:t>25-12-2022</a:t>
             </a:fld>
             <a:endParaRPr lang="en-IN"/>
           </a:p>
@@ -4815,7 +4820,7 @@
           <a:p>
             <a:fld id="{2DDEE1FE-2CF1-497B-95C4-BC60BE17D6CD}" type="datetimeFigureOut">
               <a:rPr lang="en-IN" smtClean="0"/>
-              <a:t>20-12-2022</a:t>
+              <a:t>25-12-2022</a:t>
             </a:fld>
             <a:endParaRPr lang="en-IN"/>
           </a:p>
@@ -5525,7 +5530,7 @@
               <a:rPr lang="en-US" sz="1600" dirty="0">
                 <a:latin typeface="Circular"/>
               </a:rPr>
-              <a:t>October 17, 2022</a:t>
+              <a:t>December 17, 2022</a:t>
             </a:r>
             <a:endParaRPr lang="en-IN" sz="1600" dirty="0">
               <a:latin typeface="Circular"/>
